--- a/maha/SMOTE_Maha.pptx
+++ b/maha/SMOTE_Maha.pptx
@@ -207,7 +207,7 @@
           <a:p>
             <a:fld id="{D1936D13-82E4-1B4D-99C1-837898233FA8}" type="datetimeFigureOut">
               <a:rPr lang="en-US" smtClean="0"/>
-              <a:t>8/21/17</a:t>
+              <a:t>8/24/17</a:t>
             </a:fld>
             <a:endParaRPr lang="en-US"/>
           </a:p>
@@ -606,7 +606,7 @@
           <a:p>
             <a:fld id="{67274BA1-1E3D-3944-AE4C-DF6B5DD99263}" type="datetimeFigureOut">
               <a:rPr lang="en-US" smtClean="0"/>
-              <a:t>8/21/17</a:t>
+              <a:t>8/24/17</a:t>
             </a:fld>
             <a:endParaRPr lang="en-US"/>
           </a:p>
@@ -776,7 +776,7 @@
           <a:p>
             <a:fld id="{67274BA1-1E3D-3944-AE4C-DF6B5DD99263}" type="datetimeFigureOut">
               <a:rPr lang="en-US" smtClean="0"/>
-              <a:t>8/21/17</a:t>
+              <a:t>8/24/17</a:t>
             </a:fld>
             <a:endParaRPr lang="en-US"/>
           </a:p>
@@ -956,7 +956,7 @@
           <a:p>
             <a:fld id="{67274BA1-1E3D-3944-AE4C-DF6B5DD99263}" type="datetimeFigureOut">
               <a:rPr lang="en-US" smtClean="0"/>
-              <a:t>8/21/17</a:t>
+              <a:t>8/24/17</a:t>
             </a:fld>
             <a:endParaRPr lang="en-US"/>
           </a:p>
@@ -1126,7 +1126,7 @@
           <a:p>
             <a:fld id="{67274BA1-1E3D-3944-AE4C-DF6B5DD99263}" type="datetimeFigureOut">
               <a:rPr lang="en-US" smtClean="0"/>
-              <a:t>8/21/17</a:t>
+              <a:t>8/24/17</a:t>
             </a:fld>
             <a:endParaRPr lang="en-US"/>
           </a:p>
@@ -1372,7 +1372,7 @@
           <a:p>
             <a:fld id="{67274BA1-1E3D-3944-AE4C-DF6B5DD99263}" type="datetimeFigureOut">
               <a:rPr lang="en-US" smtClean="0"/>
-              <a:t>8/21/17</a:t>
+              <a:t>8/24/17</a:t>
             </a:fld>
             <a:endParaRPr lang="en-US"/>
           </a:p>
@@ -1604,7 +1604,7 @@
           <a:p>
             <a:fld id="{67274BA1-1E3D-3944-AE4C-DF6B5DD99263}" type="datetimeFigureOut">
               <a:rPr lang="en-US" smtClean="0"/>
-              <a:t>8/21/17</a:t>
+              <a:t>8/24/17</a:t>
             </a:fld>
             <a:endParaRPr lang="en-US"/>
           </a:p>
@@ -1971,7 +1971,7 @@
           <a:p>
             <a:fld id="{67274BA1-1E3D-3944-AE4C-DF6B5DD99263}" type="datetimeFigureOut">
               <a:rPr lang="en-US" smtClean="0"/>
-              <a:t>8/21/17</a:t>
+              <a:t>8/24/17</a:t>
             </a:fld>
             <a:endParaRPr lang="en-US"/>
           </a:p>
@@ -2089,7 +2089,7 @@
           <a:p>
             <a:fld id="{67274BA1-1E3D-3944-AE4C-DF6B5DD99263}" type="datetimeFigureOut">
               <a:rPr lang="en-US" smtClean="0"/>
-              <a:t>8/21/17</a:t>
+              <a:t>8/24/17</a:t>
             </a:fld>
             <a:endParaRPr lang="en-US"/>
           </a:p>
@@ -2184,7 +2184,7 @@
           <a:p>
             <a:fld id="{67274BA1-1E3D-3944-AE4C-DF6B5DD99263}" type="datetimeFigureOut">
               <a:rPr lang="en-US" smtClean="0"/>
-              <a:t>8/21/17</a:t>
+              <a:t>8/24/17</a:t>
             </a:fld>
             <a:endParaRPr lang="en-US"/>
           </a:p>
@@ -2461,7 +2461,7 @@
           <a:p>
             <a:fld id="{67274BA1-1E3D-3944-AE4C-DF6B5DD99263}" type="datetimeFigureOut">
               <a:rPr lang="en-US" smtClean="0"/>
-              <a:t>8/21/17</a:t>
+              <a:t>8/24/17</a:t>
             </a:fld>
             <a:endParaRPr lang="en-US"/>
           </a:p>
@@ -2714,7 +2714,7 @@
           <a:p>
             <a:fld id="{67274BA1-1E3D-3944-AE4C-DF6B5DD99263}" type="datetimeFigureOut">
               <a:rPr lang="en-US" smtClean="0"/>
-              <a:t>8/21/17</a:t>
+              <a:t>8/24/17</a:t>
             </a:fld>
             <a:endParaRPr lang="en-US"/>
           </a:p>
@@ -2927,7 +2927,7 @@
           <a:p>
             <a:fld id="{67274BA1-1E3D-3944-AE4C-DF6B5DD99263}" type="datetimeFigureOut">
               <a:rPr lang="en-US" smtClean="0"/>
-              <a:t>8/21/17</a:t>
+              <a:t>8/24/17</a:t>
             </a:fld>
             <a:endParaRPr lang="en-US"/>
           </a:p>
@@ -3894,7 +3894,7 @@
         <p:spPr>
           <a:xfrm>
             <a:off x="2504034" y="0"/>
-            <a:ext cx="6605131" cy="4084173"/>
+            <a:ext cx="6605131" cy="4084172"/>
           </a:xfrm>
           <a:prstGeom prst="rect">
             <a:avLst/>
@@ -3923,8 +3923,8 @@
         </p:blipFill>
         <p:spPr>
           <a:xfrm>
-            <a:off x="2504034" y="2937747"/>
-            <a:ext cx="6605131" cy="3524131"/>
+            <a:off x="2497419" y="2814452"/>
+            <a:ext cx="6611746" cy="3683053"/>
           </a:xfrm>
           <a:prstGeom prst="rect">
             <a:avLst/>
@@ -3990,8 +3990,8 @@
         </p:blipFill>
         <p:spPr>
           <a:xfrm>
-            <a:off x="2332733" y="-113211"/>
-            <a:ext cx="7135090" cy="4411863"/>
+            <a:off x="2332734" y="-113211"/>
+            <a:ext cx="7135088" cy="4411863"/>
           </a:xfrm>
           <a:prstGeom prst="rect">
             <a:avLst/>
@@ -4020,8 +4020,8 @@
         </p:blipFill>
         <p:spPr>
           <a:xfrm>
-            <a:off x="2332733" y="3040232"/>
-            <a:ext cx="7135090" cy="3817768"/>
+            <a:off x="2332734" y="2995611"/>
+            <a:ext cx="7135088" cy="3969268"/>
           </a:xfrm>
           <a:prstGeom prst="rect">
             <a:avLst/>
